--- a/EDAWorkshop-02.pptx
+++ b/EDAWorkshop-02.pptx
@@ -6286,7 +6286,7 @@
           <a:p>
             <a:fld id="{F54EF023-A732-4A4E-A8FB-240F3D1FABBB}" type="datetimeFigureOut">
               <a:rPr lang="en-US" smtClean="0"/>
-              <a:t>7/30/2023</a:t>
+              <a:t>8/4/2023</a:t>
             </a:fld>
             <a:endParaRPr lang="en-US"/>
           </a:p>
@@ -17392,7 +17392,7 @@
             <a:avLst/>
           </a:prstGeom>
           <a:solidFill>
-            <a:srgbClr val="5FC1F9"/>
+            <a:schemeClr val="accent2"/>
           </a:solidFill>
         </p:spPr>
         <p:style>
